--- a/lecture6/lecture6.pptx
+++ b/lecture6/lecture6.pptx
@@ -14,6 +14,7 @@
     <p:sldId id="262" r:id="rId9"/>
     <p:sldId id="263" r:id="rId10"/>
     <p:sldId id="264" r:id="rId11"/>
+    <p:sldId id="265" r:id="rId12"/>
   </p:sldIdLst>
   <p:sldSz cx="12192000" cy="6858000"/>
   <p:notesSz cx="12192000" cy="6858000"/>
@@ -6278,6 +6279,1128 @@
 </p:sld>
 </file>
 
+<file path=ppt/slides/slide10.xml><?xml version="1.0" encoding="utf-8"?>
+<p:sld xmlns:a="http://schemas.openxmlformats.org/drawingml/2006/main" xmlns:r="http://schemas.openxmlformats.org/officeDocument/2006/relationships" xmlns:p="http://schemas.openxmlformats.org/presentationml/2006/main" xmlns:m="http://schemas.openxmlformats.org/officeDocument/2006/math" xmlns:w="http://schemas.openxmlformats.org/wordprocessingml/2006/main" showMasterPhAnim="0" show="1">
+  <p:cSld name="">
+    <p:spTree>
+      <p:nvGrpSpPr>
+        <p:cNvPr id="1" name="" hidden="0"/>
+        <p:cNvGrpSpPr/>
+        <p:nvPr isPhoto="0" userDrawn="0"/>
+      </p:nvGrpSpPr>
+      <p:grpSpPr bwMode="auto">
+        <a:xfrm>
+          <a:off x="0" y="0"/>
+          <a:ext cx="0" cy="0"/>
+          <a:chOff x="0" y="0"/>
+          <a:chExt cx="0" cy="0"/>
+        </a:xfrm>
+      </p:grpSpPr>
+      <p:sp>
+        <p:nvSpPr>
+          <p:cNvPr id="4" name="Title 1" hidden="0"/>
+          <p:cNvSpPr txBox="1"/>
+          <p:nvPr isPhoto="0" userDrawn="0"/>
+        </p:nvSpPr>
+        <p:spPr bwMode="auto">
+          <a:xfrm>
+            <a:off x="443058" y="128922"/>
+            <a:ext cx="11491275" cy="549808"/>
+          </a:xfrm>
+          <a:prstGeom prst="rect">
+            <a:avLst/>
+          </a:prstGeom>
+          <a:solidFill>
+            <a:schemeClr val="bg1"/>
+          </a:solidFill>
+          <a:ln>
+            <a:solidFill>
+              <a:schemeClr val="tx1"/>
+            </a:solidFill>
+          </a:ln>
+        </p:spPr>
+        <p:txBody>
+          <a:bodyPr vert="horz" lIns="91440" tIns="45720" rIns="91440" bIns="45720" rtlCol="0" anchor="t">
+            <a:noAutofit/>
+          </a:bodyPr>
+          <a:lstStyle>
+            <a:lvl1pPr algn="l" defTabSz="457200">
+              <a:spcBef>
+                <a:spcPts val="0"/>
+              </a:spcBef>
+              <a:buNone/>
+              <a:defRPr sz="3600">
+                <a:solidFill>
+                  <a:schemeClr val="accent1"/>
+                </a:solidFill>
+                <a:latin typeface="+mj-lt"/>
+                <a:ea typeface="+mj-ea"/>
+                <a:cs typeface="+mj-cs"/>
+              </a:defRPr>
+            </a:lvl1pPr>
+            <a:lvl2pPr>
+              <a:defRPr>
+                <a:solidFill>
+                  <a:schemeClr val="tx2"/>
+                </a:solidFill>
+              </a:defRPr>
+            </a:lvl2pPr>
+            <a:lvl3pPr>
+              <a:defRPr>
+                <a:solidFill>
+                  <a:schemeClr val="tx2"/>
+                </a:solidFill>
+              </a:defRPr>
+            </a:lvl3pPr>
+            <a:lvl4pPr>
+              <a:defRPr>
+                <a:solidFill>
+                  <a:schemeClr val="tx2"/>
+                </a:solidFill>
+              </a:defRPr>
+            </a:lvl4pPr>
+            <a:lvl5pPr>
+              <a:defRPr>
+                <a:solidFill>
+                  <a:schemeClr val="tx2"/>
+                </a:solidFill>
+              </a:defRPr>
+            </a:lvl5pPr>
+            <a:lvl6pPr>
+              <a:defRPr>
+                <a:solidFill>
+                  <a:schemeClr val="tx2"/>
+                </a:solidFill>
+              </a:defRPr>
+            </a:lvl6pPr>
+            <a:lvl7pPr>
+              <a:defRPr>
+                <a:solidFill>
+                  <a:schemeClr val="tx2"/>
+                </a:solidFill>
+              </a:defRPr>
+            </a:lvl7pPr>
+            <a:lvl8pPr>
+              <a:defRPr>
+                <a:solidFill>
+                  <a:schemeClr val="tx2"/>
+                </a:solidFill>
+              </a:defRPr>
+            </a:lvl8pPr>
+            <a:lvl9pPr>
+              <a:defRPr>
+                <a:solidFill>
+                  <a:schemeClr val="tx2"/>
+                </a:solidFill>
+              </a:defRPr>
+            </a:lvl9pPr>
+          </a:lstStyle>
+          <a:p>
+            <a:pPr algn="ctr">
+              <a:defRPr/>
+            </a:pPr>
+            <a:r>
+              <a:rPr lang="ru-RU" sz="2800"/>
+              <a:t>Способы расширения поведения</a:t>
+            </a:r>
+            <a:r>
+              <a:rPr lang="en-US" sz="2800"/>
+              <a:t> </a:t>
+            </a:r>
+            <a:r>
+              <a:rPr lang="ru-RU" sz="2800"/>
+              <a:t>алгоритмов</a:t>
+            </a:r>
+            <a:endParaRPr lang="en-US" sz="2800"/>
+          </a:p>
+        </p:txBody>
+      </p:sp>
+      <p:graphicFrame>
+        <p:nvGraphicFramePr>
+          <p:cNvPr id="5" name="Таблица 4" hidden="0"/>
+          <p:cNvGraphicFramePr>
+            <a:graphicFrameLocks xmlns:a="http://schemas.openxmlformats.org/drawingml/2006/main" noGrp="1"/>
+          </p:cNvGraphicFramePr>
+          <p:nvPr isPhoto="0" userDrawn="0"/>
+        </p:nvGraphicFramePr>
+        <p:xfrm>
+          <a:off x="443060" y="923830"/>
+          <a:ext cx="11491273" cy="3365366"/>
+        </p:xfrm>
+        <a:graphic>
+          <a:graphicData uri="http://schemas.openxmlformats.org/drawingml/2006/table">
+            <a:tbl>
+              <a:tblPr firstRow="1" firstCol="0" lastRow="0" lastCol="0" bandRow="1" bandCol="0">
+                <a:tableStyleId>{08836FDA-09DC-BC4F-6764-59E8F1B8EF63}</a:tableStyleId>
+              </a:tblPr>
+              <a:tblGrid>
+                <a:gridCol w="2507529"/>
+                <a:gridCol w="2028648"/>
+                <a:gridCol w="2328420"/>
+                <a:gridCol w="2328420"/>
+                <a:gridCol w="2298255"/>
+              </a:tblGrid>
+              <a:tr h="657180">
+                <a:tc>
+                  <a:txBody>
+                    <a:bodyPr/>
+                    <a:p>
+                      <a:pPr algn="ctr">
+                        <a:defRPr/>
+                      </a:pPr>
+                      <a:r>
+                        <a:rPr lang="ru-RU"/>
+                        <a:t>Свойства</a:t>
+                      </a:r>
+                      <a:endParaRPr lang="en-US"/>
+                    </a:p>
+                  </a:txBody>
+                  <a:tcPr anchor="ctr"/>
+                </a:tc>
+                <a:tc>
+                  <a:txBody>
+                    <a:bodyPr/>
+                    <a:p>
+                      <a:pPr algn="ctr">
+                        <a:defRPr/>
+                      </a:pPr>
+                      <a:r>
+                        <a:rPr lang="ru-RU"/>
+                        <a:t>Указатель</a:t>
+                      </a:r>
+                      <a:r>
+                        <a:rPr lang="ru-RU"/>
+                        <a:t> на функцию</a:t>
+                      </a:r>
+                      <a:endParaRPr lang="en-US"/>
+                    </a:p>
+                  </a:txBody>
+                  <a:tcPr anchor="ctr"/>
+                </a:tc>
+                <a:tc>
+                  <a:txBody>
+                    <a:bodyPr/>
+                    <a:p>
+                      <a:pPr algn="ctr">
+                        <a:defRPr/>
+                      </a:pPr>
+                      <a:r>
+                        <a:rPr lang="ru-RU"/>
+                        <a:t>Пользовательские функциональные объекты</a:t>
+                      </a:r>
+                      <a:endParaRPr/>
+                    </a:p>
+                    <a:p>
+                      <a:pPr algn="ctr">
+                        <a:defRPr/>
+                      </a:pPr>
+                      <a:r>
+                        <a:rPr lang="ru-RU"/>
+                        <a:t>(функторы)</a:t>
+                      </a:r>
+                      <a:endParaRPr lang="en-US"/>
+                    </a:p>
+                  </a:txBody>
+                  <a:tcPr anchor="ctr"/>
+                </a:tc>
+                <a:tc>
+                  <a:txBody>
+                    <a:bodyPr/>
+                    <a:p>
+                      <a:pPr algn="ctr">
+                        <a:defRPr/>
+                      </a:pPr>
+                      <a:r>
+                        <a:rPr lang="ru-RU"/>
+                        <a:t>Функциональные объекты</a:t>
+                      </a:r>
+                      <a:endParaRPr/>
+                    </a:p>
+                    <a:p>
+                      <a:pPr algn="ctr">
+                        <a:defRPr/>
+                      </a:pPr>
+                      <a:r>
+                        <a:rPr lang="ru-RU"/>
+                        <a:t>(функторы)</a:t>
+                      </a:r>
+                      <a:endParaRPr lang="en-US"/>
+                    </a:p>
+                    <a:p>
+                      <a:pPr algn="ctr">
+                        <a:defRPr/>
+                      </a:pPr>
+                      <a:r>
+                        <a:rPr lang="en-US"/>
+                        <a:t>STL</a:t>
+                      </a:r>
+                      <a:endParaRPr lang="en-US"/>
+                    </a:p>
+                  </a:txBody>
+                  <a:tcPr anchor="ctr"/>
+                </a:tc>
+                <a:tc>
+                  <a:txBody>
+                    <a:bodyPr/>
+                    <a:p>
+                      <a:pPr algn="ctr">
+                        <a:defRPr/>
+                      </a:pPr>
+                      <a:r>
+                        <a:rPr lang="ru-RU"/>
+                        <a:t>Лямбда-выражение</a:t>
+                      </a:r>
+                      <a:endParaRPr/>
+                    </a:p>
+                    <a:p>
+                      <a:pPr algn="ctr">
+                        <a:defRPr/>
+                      </a:pPr>
+                      <a:r>
+                        <a:rPr lang="ru-RU"/>
+                        <a:t>(анонимный функтор)</a:t>
+                      </a:r>
+                      <a:endParaRPr lang="en-US"/>
+                    </a:p>
+                  </a:txBody>
+                  <a:tcPr anchor="ctr"/>
+                </a:tc>
+              </a:tr>
+              <a:tr h="657180">
+                <a:tc>
+                  <a:txBody>
+                    <a:bodyPr/>
+                    <a:p>
+                      <a:pPr>
+                        <a:defRPr/>
+                      </a:pPr>
+                      <a:r>
+                        <a:rPr lang="ru-RU"/>
+                        <a:t>Состояние</a:t>
+                      </a:r>
+                      <a:endParaRPr lang="en-US"/>
+                    </a:p>
+                  </a:txBody>
+                  <a:tcPr anchor="ctr"/>
+                </a:tc>
+                <a:tc>
+                  <a:txBody>
+                    <a:bodyPr/>
+                    <a:p>
+                      <a:pPr>
+                        <a:defRPr/>
+                      </a:pPr>
+                      <a:endParaRPr lang="en-US"/>
+                    </a:p>
+                  </a:txBody>
+                  <a:tcPr/>
+                </a:tc>
+                <a:tc>
+                  <a:txBody>
+                    <a:bodyPr/>
+                    <a:p>
+                      <a:pPr>
+                        <a:defRPr/>
+                      </a:pPr>
+                      <a:endParaRPr lang="en-US"/>
+                    </a:p>
+                  </a:txBody>
+                  <a:tcPr/>
+                </a:tc>
+                <a:tc>
+                  <a:txBody>
+                    <a:bodyPr/>
+                    <a:p>
+                      <a:pPr>
+                        <a:defRPr/>
+                      </a:pPr>
+                      <a:endParaRPr lang="en-US"/>
+                    </a:p>
+                  </a:txBody>
+                  <a:tcPr/>
+                </a:tc>
+                <a:tc>
+                  <a:txBody>
+                    <a:bodyPr/>
+                    <a:p>
+                      <a:pPr>
+                        <a:defRPr/>
+                      </a:pPr>
+                      <a:endParaRPr lang="en-US"/>
+                    </a:p>
+                  </a:txBody>
+                  <a:tcPr/>
+                </a:tc>
+              </a:tr>
+              <a:tr h="657180">
+                <a:tc>
+                  <a:txBody>
+                    <a:bodyPr/>
+                    <a:p>
+                      <a:pPr>
+                        <a:defRPr/>
+                      </a:pPr>
+                      <a:r>
+                        <a:rPr lang="ru-RU"/>
+                        <a:t>Параметризация времени выполнения</a:t>
+                      </a:r>
+                      <a:endParaRPr lang="en-US"/>
+                    </a:p>
+                  </a:txBody>
+                  <a:tcPr anchor="ctr"/>
+                </a:tc>
+                <a:tc>
+                  <a:txBody>
+                    <a:bodyPr/>
+                    <a:p>
+                      <a:pPr>
+                        <a:defRPr/>
+                      </a:pPr>
+                      <a:endParaRPr lang="en-US"/>
+                    </a:p>
+                  </a:txBody>
+                  <a:tcPr/>
+                </a:tc>
+                <a:tc>
+                  <a:txBody>
+                    <a:bodyPr/>
+                    <a:p>
+                      <a:pPr>
+                        <a:defRPr/>
+                      </a:pPr>
+                      <a:endParaRPr lang="en-US"/>
+                    </a:p>
+                  </a:txBody>
+                  <a:tcPr/>
+                </a:tc>
+                <a:tc>
+                  <a:txBody>
+                    <a:bodyPr/>
+                    <a:p>
+                      <a:pPr>
+                        <a:defRPr/>
+                      </a:pPr>
+                      <a:endParaRPr lang="en-US"/>
+                    </a:p>
+                  </a:txBody>
+                  <a:tcPr/>
+                </a:tc>
+                <a:tc>
+                  <a:txBody>
+                    <a:bodyPr/>
+                    <a:p>
+                      <a:pPr>
+                        <a:defRPr/>
+                      </a:pPr>
+                      <a:endParaRPr lang="en-US"/>
+                    </a:p>
+                  </a:txBody>
+                  <a:tcPr/>
+                </a:tc>
+              </a:tr>
+              <a:tr h="862282">
+                <a:tc>
+                  <a:txBody>
+                    <a:bodyPr/>
+                    <a:p>
+                      <a:pPr>
+                        <a:defRPr/>
+                      </a:pPr>
+                      <a:r>
+                        <a:rPr lang="ru-RU"/>
+                        <a:t>Читаемость </a:t>
+                      </a:r>
+                      <a:r>
+                        <a:rPr lang="ru-RU"/>
+                        <a:t>кода</a:t>
+                      </a:r>
+                      <a:endParaRPr lang="ru-RU"/>
+                    </a:p>
+                  </a:txBody>
+                  <a:tcPr anchor="ctr"/>
+                </a:tc>
+                <a:tc>
+                  <a:txBody>
+                    <a:bodyPr/>
+                    <a:p>
+                      <a:pPr>
+                        <a:defRPr/>
+                      </a:pPr>
+                      <a:endParaRPr lang="en-US"/>
+                    </a:p>
+                  </a:txBody>
+                  <a:tcPr/>
+                </a:tc>
+                <a:tc>
+                  <a:txBody>
+                    <a:bodyPr/>
+                    <a:p>
+                      <a:pPr>
+                        <a:defRPr/>
+                      </a:pPr>
+                      <a:endParaRPr lang="en-US"/>
+                    </a:p>
+                  </a:txBody>
+                  <a:tcPr/>
+                </a:tc>
+                <a:tc>
+                  <a:txBody>
+                    <a:bodyPr/>
+                    <a:p>
+                      <a:pPr>
+                        <a:defRPr/>
+                      </a:pPr>
+                      <a:endParaRPr lang="en-US"/>
+                    </a:p>
+                  </a:txBody>
+                  <a:tcPr/>
+                </a:tc>
+                <a:tc>
+                  <a:txBody>
+                    <a:bodyPr/>
+                    <a:p>
+                      <a:pPr>
+                        <a:defRPr/>
+                      </a:pPr>
+                      <a:endParaRPr lang="en-US"/>
+                    </a:p>
+                  </a:txBody>
+                  <a:tcPr/>
+                </a:tc>
+              </a:tr>
+            </a:tbl>
+          </a:graphicData>
+        </a:graphic>
+      </p:graphicFrame>
+      <p:pic>
+        <p:nvPicPr>
+          <p:cNvPr id="6" name="Рисунок 5" hidden="0"/>
+          <p:cNvPicPr>
+            <a:picLocks noChangeAspect="1"/>
+          </p:cNvPicPr>
+          <p:nvPr isPhoto="0" userDrawn="0"/>
+        </p:nvPicPr>
+        <p:blipFill>
+          <a:blip r:embed="rId2"/>
+          <a:stretch/>
+        </p:blipFill>
+        <p:spPr bwMode="auto">
+          <a:xfrm>
+            <a:off x="5983906" y="2452367"/>
+            <a:ext cx="409575" cy="468086"/>
+          </a:xfrm>
+          <a:prstGeom prst="rect">
+            <a:avLst/>
+          </a:prstGeom>
+        </p:spPr>
+      </p:pic>
+      <p:pic>
+        <p:nvPicPr>
+          <p:cNvPr id="7" name="Рисунок 6" hidden="0"/>
+          <p:cNvPicPr>
+            <a:picLocks noChangeAspect="1"/>
+          </p:cNvPicPr>
+          <p:nvPr isPhoto="0" userDrawn="0"/>
+        </p:nvPicPr>
+        <p:blipFill>
+          <a:blip r:embed="rId3"/>
+          <a:stretch/>
+        </p:blipFill>
+        <p:spPr bwMode="auto">
+          <a:xfrm>
+            <a:off x="3648459" y="2452367"/>
+            <a:ext cx="519113" cy="519113"/>
+          </a:xfrm>
+          <a:prstGeom prst="rect">
+            <a:avLst/>
+          </a:prstGeom>
+        </p:spPr>
+      </p:pic>
+      <p:pic>
+        <p:nvPicPr>
+          <p:cNvPr id="8" name="Рисунок 7" hidden="0"/>
+          <p:cNvPicPr>
+            <a:picLocks noChangeAspect="1"/>
+          </p:cNvPicPr>
+          <p:nvPr isPhoto="0" userDrawn="0"/>
+        </p:nvPicPr>
+        <p:blipFill>
+          <a:blip r:embed="rId3"/>
+          <a:stretch/>
+        </p:blipFill>
+        <p:spPr bwMode="auto">
+          <a:xfrm>
+            <a:off x="8224492" y="2426853"/>
+            <a:ext cx="519113" cy="519113"/>
+          </a:xfrm>
+          <a:prstGeom prst="rect">
+            <a:avLst/>
+          </a:prstGeom>
+        </p:spPr>
+      </p:pic>
+      <p:pic>
+        <p:nvPicPr>
+          <p:cNvPr id="9" name="Рисунок 8" hidden="0"/>
+          <p:cNvPicPr>
+            <a:picLocks noChangeAspect="1"/>
+          </p:cNvPicPr>
+          <p:nvPr isPhoto="0" userDrawn="0"/>
+        </p:nvPicPr>
+        <p:blipFill>
+          <a:blip r:embed="rId3"/>
+          <a:stretch/>
+        </p:blipFill>
+        <p:spPr bwMode="auto">
+          <a:xfrm>
+            <a:off x="10623684" y="2452367"/>
+            <a:ext cx="519113" cy="519113"/>
+          </a:xfrm>
+          <a:prstGeom prst="rect">
+            <a:avLst/>
+          </a:prstGeom>
+        </p:spPr>
+      </p:pic>
+      <p:pic>
+        <p:nvPicPr>
+          <p:cNvPr id="10" name="Рисунок 9" hidden="0"/>
+          <p:cNvPicPr>
+            <a:picLocks noChangeAspect="1"/>
+          </p:cNvPicPr>
+          <p:nvPr isPhoto="0" userDrawn="0"/>
+        </p:nvPicPr>
+        <p:blipFill>
+          <a:blip r:embed="rId2"/>
+          <a:stretch/>
+        </p:blipFill>
+        <p:spPr bwMode="auto">
+          <a:xfrm>
+            <a:off x="5938043" y="3338431"/>
+            <a:ext cx="409575" cy="468086"/>
+          </a:xfrm>
+          <a:prstGeom prst="rect">
+            <a:avLst/>
+          </a:prstGeom>
+        </p:spPr>
+      </p:pic>
+      <p:pic>
+        <p:nvPicPr>
+          <p:cNvPr id="11" name="Рисунок 10" hidden="0"/>
+          <p:cNvPicPr>
+            <a:picLocks noChangeAspect="1"/>
+          </p:cNvPicPr>
+          <p:nvPr isPhoto="0" userDrawn="0"/>
+        </p:nvPicPr>
+        <p:blipFill>
+          <a:blip r:embed="rId2"/>
+          <a:stretch/>
+        </p:blipFill>
+        <p:spPr bwMode="auto">
+          <a:xfrm>
+            <a:off x="10678453" y="3129902"/>
+            <a:ext cx="409575" cy="468086"/>
+          </a:xfrm>
+          <a:prstGeom prst="rect">
+            <a:avLst/>
+          </a:prstGeom>
+        </p:spPr>
+      </p:pic>
+      <p:pic>
+        <p:nvPicPr>
+          <p:cNvPr id="12" name="Рисунок 11" hidden="0"/>
+          <p:cNvPicPr>
+            <a:picLocks noChangeAspect="1"/>
+          </p:cNvPicPr>
+          <p:nvPr isPhoto="0" userDrawn="0"/>
+        </p:nvPicPr>
+        <p:blipFill>
+          <a:blip r:embed="rId2"/>
+          <a:stretch/>
+        </p:blipFill>
+        <p:spPr bwMode="auto">
+          <a:xfrm>
+            <a:off x="8279262" y="3246535"/>
+            <a:ext cx="409575" cy="468086"/>
+          </a:xfrm>
+          <a:prstGeom prst="rect">
+            <a:avLst/>
+          </a:prstGeom>
+        </p:spPr>
+      </p:pic>
+      <p:pic>
+        <p:nvPicPr>
+          <p:cNvPr id="13" name="Рисунок 12" hidden="0"/>
+          <p:cNvPicPr>
+            <a:picLocks noChangeAspect="1"/>
+          </p:cNvPicPr>
+          <p:nvPr isPhoto="0" userDrawn="0"/>
+        </p:nvPicPr>
+        <p:blipFill>
+          <a:blip r:embed="rId3"/>
+          <a:stretch/>
+        </p:blipFill>
+        <p:spPr bwMode="auto">
+          <a:xfrm>
+            <a:off x="3648459" y="3338431"/>
+            <a:ext cx="519113" cy="519113"/>
+          </a:xfrm>
+          <a:prstGeom prst="rect">
+            <a:avLst/>
+          </a:prstGeom>
+        </p:spPr>
+      </p:pic>
+      <p:pic>
+        <p:nvPicPr>
+          <p:cNvPr id="14" name="Рисунок 13" hidden="0"/>
+          <p:cNvPicPr>
+            <a:picLocks noChangeAspect="1"/>
+          </p:cNvPicPr>
+          <p:nvPr isPhoto="0" userDrawn="0"/>
+        </p:nvPicPr>
+        <p:blipFill>
+          <a:blip r:embed="rId4"/>
+          <a:stretch/>
+        </p:blipFill>
+        <p:spPr bwMode="auto">
+          <a:xfrm>
+            <a:off x="5769203" y="4024091"/>
+            <a:ext cx="747257" cy="808887"/>
+          </a:xfrm>
+          <a:prstGeom prst="rect">
+            <a:avLst/>
+          </a:prstGeom>
+        </p:spPr>
+      </p:pic>
+      <p:pic>
+        <p:nvPicPr>
+          <p:cNvPr id="15" name="Рисунок 14" hidden="0"/>
+          <p:cNvPicPr>
+            <a:picLocks noChangeAspect="1"/>
+          </p:cNvPicPr>
+          <p:nvPr isPhoto="0" userDrawn="0"/>
+        </p:nvPicPr>
+        <p:blipFill>
+          <a:blip r:embed="rId5"/>
+          <a:stretch/>
+        </p:blipFill>
+        <p:spPr bwMode="auto">
+          <a:xfrm>
+            <a:off x="3524620" y="4024091"/>
+            <a:ext cx="737436" cy="729549"/>
+          </a:xfrm>
+          <a:prstGeom prst="rect">
+            <a:avLst/>
+          </a:prstGeom>
+        </p:spPr>
+      </p:pic>
+      <p:pic>
+        <p:nvPicPr>
+          <p:cNvPr id="16" name="Рисунок 15" hidden="0"/>
+          <p:cNvPicPr>
+            <a:picLocks noChangeAspect="1"/>
+          </p:cNvPicPr>
+          <p:nvPr isPhoto="0" userDrawn="0"/>
+        </p:nvPicPr>
+        <p:blipFill>
+          <a:blip r:embed="rId6"/>
+          <a:stretch/>
+        </p:blipFill>
+        <p:spPr bwMode="auto">
+          <a:xfrm>
+            <a:off x="8224492" y="4024091"/>
+            <a:ext cx="824600" cy="849462"/>
+          </a:xfrm>
+          <a:prstGeom prst="rect">
+            <a:avLst/>
+          </a:prstGeom>
+        </p:spPr>
+      </p:pic>
+      <p:sp>
+        <p:nvSpPr>
+          <p:cNvPr id="18" name="Объект 2" hidden="0"/>
+          <p:cNvSpPr txBox="1"/>
+          <p:nvPr isPhoto="0" userDrawn="0"/>
+        </p:nvSpPr>
+        <p:spPr bwMode="auto">
+          <a:xfrm>
+            <a:off x="443057" y="4908476"/>
+            <a:ext cx="11491275" cy="2136791"/>
+          </a:xfrm>
+          <a:prstGeom prst="rect">
+            <a:avLst/>
+          </a:prstGeom>
+          <a:solidFill>
+            <a:schemeClr val="bg1"/>
+          </a:solidFill>
+        </p:spPr>
+        <p:txBody>
+          <a:bodyPr vertOverflow="overflow" horzOverflow="clip" vert="horz" wrap="square" lIns="91440" tIns="45720" rIns="91440" bIns="45720" numCol="1" spcCol="0" rtlCol="0" fromWordArt="0" anchor="t" anchorCtr="0" forceAA="0" upright="0" compatLnSpc="0">
+            <a:normAutofit fontScale="80000" lnSpcReduction="4000"/>
+          </a:bodyPr>
+          <a:lstStyle>
+            <a:lvl1pPr marL="342900" indent="-342900" algn="l" defTabSz="457200">
+              <a:spcBef>
+                <a:spcPts val="1000"/>
+              </a:spcBef>
+              <a:spcAft>
+                <a:spcPts val="0"/>
+              </a:spcAft>
+              <a:buClr>
+                <a:schemeClr val="accent1"/>
+              </a:buClr>
+              <a:buSzPct val="80000"/>
+              <a:buFont typeface="Wingdings 3"/>
+              <a:buChar char=""/>
+              <a:defRPr sz="1800">
+                <a:solidFill>
+                  <a:schemeClr val="tx1">
+                    <a:lumMod val="75000"/>
+                    <a:lumOff val="25000"/>
+                  </a:schemeClr>
+                </a:solidFill>
+                <a:latin typeface="+mn-lt"/>
+                <a:ea typeface="+mn-ea"/>
+                <a:cs typeface="+mn-cs"/>
+              </a:defRPr>
+            </a:lvl1pPr>
+            <a:lvl2pPr marL="742950" indent="-285750" algn="l" defTabSz="457200">
+              <a:spcBef>
+                <a:spcPts val="1000"/>
+              </a:spcBef>
+              <a:spcAft>
+                <a:spcPts val="0"/>
+              </a:spcAft>
+              <a:buClr>
+                <a:schemeClr val="accent1"/>
+              </a:buClr>
+              <a:buSzPct val="80000"/>
+              <a:buFont typeface="Wingdings 3"/>
+              <a:buChar char=""/>
+              <a:defRPr sz="1600">
+                <a:solidFill>
+                  <a:schemeClr val="tx1">
+                    <a:lumMod val="75000"/>
+                    <a:lumOff val="25000"/>
+                  </a:schemeClr>
+                </a:solidFill>
+                <a:latin typeface="+mn-lt"/>
+                <a:ea typeface="+mn-ea"/>
+                <a:cs typeface="+mn-cs"/>
+              </a:defRPr>
+            </a:lvl2pPr>
+            <a:lvl3pPr marL="1143000" indent="-228600" algn="l" defTabSz="457200">
+              <a:spcBef>
+                <a:spcPts val="1000"/>
+              </a:spcBef>
+              <a:spcAft>
+                <a:spcPts val="0"/>
+              </a:spcAft>
+              <a:buClr>
+                <a:schemeClr val="accent1"/>
+              </a:buClr>
+              <a:buSzPct val="80000"/>
+              <a:buFont typeface="Wingdings 3"/>
+              <a:buChar char=""/>
+              <a:defRPr sz="1400">
+                <a:solidFill>
+                  <a:schemeClr val="tx1">
+                    <a:lumMod val="75000"/>
+                    <a:lumOff val="25000"/>
+                  </a:schemeClr>
+                </a:solidFill>
+                <a:latin typeface="+mn-lt"/>
+                <a:ea typeface="+mn-ea"/>
+                <a:cs typeface="+mn-cs"/>
+              </a:defRPr>
+            </a:lvl3pPr>
+            <a:lvl4pPr marL="1600200" indent="-228600" algn="l" defTabSz="457200">
+              <a:spcBef>
+                <a:spcPts val="1000"/>
+              </a:spcBef>
+              <a:spcAft>
+                <a:spcPts val="0"/>
+              </a:spcAft>
+              <a:buClr>
+                <a:schemeClr val="accent1"/>
+              </a:buClr>
+              <a:buSzPct val="80000"/>
+              <a:buFont typeface="Wingdings 3"/>
+              <a:buChar char=""/>
+              <a:defRPr sz="1200">
+                <a:solidFill>
+                  <a:schemeClr val="tx1">
+                    <a:lumMod val="75000"/>
+                    <a:lumOff val="25000"/>
+                  </a:schemeClr>
+                </a:solidFill>
+                <a:latin typeface="+mn-lt"/>
+                <a:ea typeface="+mn-ea"/>
+                <a:cs typeface="+mn-cs"/>
+              </a:defRPr>
+            </a:lvl4pPr>
+            <a:lvl5pPr marL="2057400" indent="-228600" algn="l" defTabSz="457200">
+              <a:spcBef>
+                <a:spcPts val="1000"/>
+              </a:spcBef>
+              <a:spcAft>
+                <a:spcPts val="0"/>
+              </a:spcAft>
+              <a:buClr>
+                <a:schemeClr val="accent1"/>
+              </a:buClr>
+              <a:buSzPct val="80000"/>
+              <a:buFont typeface="Wingdings 3"/>
+              <a:buChar char=""/>
+              <a:defRPr sz="1200">
+                <a:solidFill>
+                  <a:schemeClr val="tx1">
+                    <a:lumMod val="75000"/>
+                    <a:lumOff val="25000"/>
+                  </a:schemeClr>
+                </a:solidFill>
+                <a:latin typeface="+mn-lt"/>
+                <a:ea typeface="+mn-ea"/>
+                <a:cs typeface="+mn-cs"/>
+              </a:defRPr>
+            </a:lvl5pPr>
+            <a:lvl6pPr marL="2514600" indent="-228600" algn="l" defTabSz="457200">
+              <a:spcBef>
+                <a:spcPts val="1000"/>
+              </a:spcBef>
+              <a:spcAft>
+                <a:spcPts val="0"/>
+              </a:spcAft>
+              <a:buClr>
+                <a:schemeClr val="accent1"/>
+              </a:buClr>
+              <a:buSzPct val="80000"/>
+              <a:buFont typeface="Wingdings 3"/>
+              <a:buChar char=""/>
+              <a:defRPr sz="1200">
+                <a:solidFill>
+                  <a:schemeClr val="tx1">
+                    <a:lumMod val="75000"/>
+                    <a:lumOff val="25000"/>
+                  </a:schemeClr>
+                </a:solidFill>
+                <a:latin typeface="+mn-lt"/>
+                <a:ea typeface="+mn-ea"/>
+                <a:cs typeface="+mn-cs"/>
+              </a:defRPr>
+            </a:lvl6pPr>
+            <a:lvl7pPr marL="2971800" indent="-228600" algn="l" defTabSz="457200">
+              <a:spcBef>
+                <a:spcPts val="1000"/>
+              </a:spcBef>
+              <a:spcAft>
+                <a:spcPts val="0"/>
+              </a:spcAft>
+              <a:buClr>
+                <a:schemeClr val="accent1"/>
+              </a:buClr>
+              <a:buSzPct val="80000"/>
+              <a:buFont typeface="Wingdings 3"/>
+              <a:buChar char=""/>
+              <a:defRPr sz="1200">
+                <a:solidFill>
+                  <a:schemeClr val="tx1">
+                    <a:lumMod val="75000"/>
+                    <a:lumOff val="25000"/>
+                  </a:schemeClr>
+                </a:solidFill>
+                <a:latin typeface="+mn-lt"/>
+                <a:ea typeface="+mn-ea"/>
+                <a:cs typeface="+mn-cs"/>
+              </a:defRPr>
+            </a:lvl7pPr>
+            <a:lvl8pPr marL="3429000" indent="-228600" algn="l" defTabSz="457200">
+              <a:spcBef>
+                <a:spcPts val="1000"/>
+              </a:spcBef>
+              <a:spcAft>
+                <a:spcPts val="0"/>
+              </a:spcAft>
+              <a:buClr>
+                <a:schemeClr val="accent1"/>
+              </a:buClr>
+              <a:buSzPct val="80000"/>
+              <a:buFont typeface="Wingdings 3"/>
+              <a:buChar char=""/>
+              <a:defRPr sz="1200">
+                <a:solidFill>
+                  <a:schemeClr val="tx1">
+                    <a:lumMod val="75000"/>
+                    <a:lumOff val="25000"/>
+                  </a:schemeClr>
+                </a:solidFill>
+                <a:latin typeface="+mn-lt"/>
+                <a:ea typeface="+mn-ea"/>
+                <a:cs typeface="+mn-cs"/>
+              </a:defRPr>
+            </a:lvl8pPr>
+            <a:lvl9pPr marL="3886200" indent="-228600" algn="l" defTabSz="457200">
+              <a:spcBef>
+                <a:spcPts val="1000"/>
+              </a:spcBef>
+              <a:spcAft>
+                <a:spcPts val="0"/>
+              </a:spcAft>
+              <a:buClr>
+                <a:schemeClr val="accent1"/>
+              </a:buClr>
+              <a:buSzPct val="80000"/>
+              <a:buFont typeface="Wingdings 3"/>
+              <a:buChar char=""/>
+              <a:defRPr sz="1200">
+                <a:solidFill>
+                  <a:schemeClr val="tx1">
+                    <a:lumMod val="75000"/>
+                    <a:lumOff val="25000"/>
+                  </a:schemeClr>
+                </a:solidFill>
+                <a:latin typeface="+mn-lt"/>
+                <a:ea typeface="+mn-ea"/>
+                <a:cs typeface="+mn-cs"/>
+              </a:defRPr>
+            </a:lvl9pPr>
+          </a:lstStyle>
+          <a:p>
+            <a:pPr>
+              <a:buClr>
+                <a:schemeClr val="accent1"/>
+              </a:buClr>
+              <a:buSzPct val="80000"/>
+              <a:buFont typeface="Wingdings"/>
+              <a:buChar char="Ø"/>
+              <a:defRPr/>
+            </a:pPr>
+            <a:r>
+              <a:rPr lang="ru-RU" sz="1600"/>
+              <a:t>У лямбда-выражения нет заведомо определённого типа – он выводится при компиляции. Если нужно передать лямбду как формальный («</a:t>
+            </a:r>
+            <a:r>
+              <a:rPr lang="ru-RU" sz="1600"/>
+              <a:t>типовый</a:t>
+            </a:r>
+            <a:r>
+              <a:rPr lang="ru-RU" sz="1600"/>
+              <a:t>») параметр шаблона, нужно использовать </a:t>
+            </a:r>
+            <a:r>
+              <a:rPr lang="en-US" sz="1600"/>
+              <a:t>decltype</a:t>
+            </a:r>
+            <a:r>
+              <a:rPr lang="ru-RU" sz="1600"/>
+              <a:t>. Если нужно передать лямбду как обычный параметр функции – это должна быть шаблонная функция</a:t>
+            </a:r>
+            <a:endParaRPr lang="en-US" sz="1600"/>
+          </a:p>
+          <a:p>
+            <a:pPr>
+              <a:buClr>
+                <a:schemeClr val="accent1"/>
+              </a:buClr>
+              <a:buSzPct val="80000"/>
+              <a:buFont typeface="Wingdings"/>
+              <a:buChar char="Ø"/>
+              <a:defRPr/>
+            </a:pPr>
+            <a:r>
+              <a:rPr lang="ru-RU" sz="1600"/>
+              <a:t>Каждый </a:t>
+            </a:r>
+            <a:r>
+              <a:rPr lang="ru-RU" sz="1600"/>
+              <a:t>функциональный объект имеет свой собственный тип, даже если их операторы </a:t>
+            </a:r>
+            <a:r>
+              <a:rPr lang="en-US" sz="1600"/>
+              <a:t>operator()</a:t>
+            </a:r>
+            <a:r>
+              <a:rPr lang="ru-RU" sz="1600"/>
+              <a:t> делают одно и то же. Тип указателя на функцию определяется сигнатурой функции</a:t>
+            </a:r>
+            <a:endParaRPr sz="1600"/>
+          </a:p>
+          <a:p>
+            <a:pPr>
+              <a:buClr>
+                <a:schemeClr val="accent1"/>
+              </a:buClr>
+              <a:buSzPct val="80000"/>
+              <a:buFont typeface="Wingdings"/>
+              <a:buChar char="Ø"/>
+              <a:defRPr/>
+            </a:pPr>
+            <a:r>
+              <a:rPr lang="ru-RU" sz="1600"/>
+              <a:t>Функциональные объекты могут быть быстрее указателей на функцию в силу реализации компилятора</a:t>
+            </a:r>
+            <a:endParaRPr sz="1600"/>
+          </a:p>
+          <a:p>
+            <a:pPr>
+              <a:buClr>
+                <a:schemeClr val="accent1"/>
+              </a:buClr>
+              <a:buSzPct val="80000"/>
+              <a:buFont typeface="Wingdings"/>
+              <a:buChar char="Ø"/>
+              <a:defRPr/>
+            </a:pPr>
+            <a:r>
+              <a:rPr lang="ru-RU" sz="1600"/>
+              <a:t>Функциональные объекты удобно передавать в функции и возвращать из функций</a:t>
+            </a:r>
+            <a:endParaRPr lang="en-US" sz="1600"/>
+          </a:p>
+          <a:p>
+            <a:pPr>
+              <a:defRPr/>
+            </a:pPr>
+            <a:endParaRPr lang="en-US" sz="1600"/>
+          </a:p>
+        </p:txBody>
+      </p:sp>
+      <p:pic>
+        <p:nvPicPr>
+          <p:cNvPr id="19" name="Рисунок 18" hidden="0"/>
+          <p:cNvPicPr>
+            <a:picLocks noChangeAspect="1"/>
+          </p:cNvPicPr>
+          <p:nvPr isPhoto="0" userDrawn="0"/>
+        </p:nvPicPr>
+        <p:blipFill>
+          <a:blip r:embed="rId7"/>
+          <a:stretch/>
+        </p:blipFill>
+        <p:spPr bwMode="auto">
+          <a:xfrm>
+            <a:off x="10368351" y="4060237"/>
+            <a:ext cx="729989" cy="736595"/>
+          </a:xfrm>
+          <a:prstGeom prst="rect">
+            <a:avLst/>
+          </a:prstGeom>
+        </p:spPr>
+      </p:pic>
+    </p:spTree>
+  </p:cSld>
+  <p:clrMapOvr>
+    <a:masterClrMapping/>
+  </p:clrMapOvr>
+  <mc:AlternateContent xmlns:mc="http://schemas.openxmlformats.org/markup-compatibility/2006">
+    <mc:Choice xmlns:p14="http://schemas.microsoft.com/office/powerpoint/2010/main" Requires="p14">
+      <p:transition p14:dur="2000" advClick="1"/>
+    </mc:Choice>
+    <mc:Fallback>
+      <p:transition advClick="1"/>
+    </mc:Fallback>
+  </mc:AlternateContent>
+</p:sld>
+</file>
+
 <file path=ppt/slides/slide2.xml><?xml version="1.0" encoding="utf-8"?>
 <p:sld xmlns:a="http://schemas.openxmlformats.org/drawingml/2006/main" xmlns:r="http://schemas.openxmlformats.org/officeDocument/2006/relationships" xmlns:p="http://schemas.openxmlformats.org/presentationml/2006/main" xmlns:m="http://schemas.openxmlformats.org/officeDocument/2006/math" xmlns:w="http://schemas.openxmlformats.org/wordprocessingml/2006/main" showMasterPhAnim="0" show="1">
   <p:cSld name="">
@@ -7396,7 +8519,7 @@
           <a:graphicData uri="http://schemas.openxmlformats.org/drawingml/2006/table">
             <a:tbl>
               <a:tblPr firstRow="1" firstCol="0" lastRow="0" lastCol="0" bandRow="1" bandCol="0">
-                <a:tableStyleId>{6F5E7CF4-4472-D040-DB23-9A9B9FEE242B}</a:tableStyleId>
+                <a:tableStyleId>{08836FDA-09DC-BC4F-6764-59E8F1B8EF63}</a:tableStyleId>
               </a:tblPr>
               <a:tblGrid>
                 <a:gridCol w="2111607"/>
@@ -8314,7 +9437,7 @@
           <a:graphicData uri="http://schemas.openxmlformats.org/drawingml/2006/table">
             <a:tbl>
               <a:tblPr firstRow="1" firstCol="0" lastRow="0" lastCol="0" bandRow="1" bandCol="0">
-                <a:tableStyleId>{6F5E7CF4-4472-D040-DB23-9A9B9FEE242B}</a:tableStyleId>
+                <a:tableStyleId>{08836FDA-09DC-BC4F-6764-59E8F1B8EF63}</a:tableStyleId>
               </a:tblPr>
               <a:tblGrid>
                 <a:gridCol w="1913644"/>
@@ -12072,6 +13195,13 @@
 <file path=ppt/slides/slide9.xml><?xml version="1.0" encoding="utf-8"?>
 <p:sld xmlns:a="http://schemas.openxmlformats.org/drawingml/2006/main" xmlns:r="http://schemas.openxmlformats.org/officeDocument/2006/relationships" xmlns:p="http://schemas.openxmlformats.org/presentationml/2006/main" xmlns:m="http://schemas.openxmlformats.org/officeDocument/2006/math" xmlns:w="http://schemas.openxmlformats.org/wordprocessingml/2006/main" showMasterPhAnim="0" show="1">
   <p:cSld name="">
+    <p:bg>
+      <p:bgPr shadeToTitle="0">
+        <a:solidFill>
+          <a:schemeClr val="bg1"/>
+        </a:solidFill>
+      </p:bgPr>
+    </p:bg>
     <p:spTree>
       <p:nvGrpSpPr>
         <p:cNvPr id="1" name="" hidden="0"/>
@@ -12088,14 +13218,107 @@
       </p:grpSpPr>
       <p:sp>
         <p:nvSpPr>
-          <p:cNvPr id="4" name="Title 1" hidden="0"/>
+          <p:cNvPr id="1564580333" name="Content Placeholder 2" hidden="0"/>
+          <p:cNvSpPr>
+            <a:spLocks noGrp="1"/>
+          </p:cNvSpPr>
+          <p:nvPr isPhoto="0" userDrawn="0">
+            <p:ph idx="1" hasCustomPrompt="0"/>
+          </p:nvPr>
+        </p:nvSpPr>
+        <p:spPr bwMode="auto">
+          <a:xfrm flipH="0" flipV="0">
+            <a:off x="6377907" y="838199"/>
+            <a:ext cx="5498108" cy="3028950"/>
+          </a:xfrm>
+          <a:prstGeom prst="rect">
+            <a:avLst/>
+          </a:prstGeom>
+          <a:solidFill>
+            <a:schemeClr val="bg1"/>
+          </a:solidFill>
+        </p:spPr>
+        <p:txBody>
+          <a:bodyPr vertOverflow="overflow" horzOverflow="clip" vert="horz" wrap="square" lIns="91440" tIns="45720" rIns="91440" bIns="45720" numCol="1" spcCol="0" rtlCol="0" fromWordArt="0" anchor="t" anchorCtr="0" forceAA="0" upright="0" compatLnSpc="0">
+            <a:normAutofit/>
+          </a:bodyPr>
+          <a:lstStyle/>
+          <a:p>
+            <a:pPr>
+              <a:buClr>
+                <a:schemeClr val="accent1"/>
+              </a:buClr>
+              <a:buSzPct val="80000"/>
+              <a:buFont typeface="Wingdings"/>
+              <a:buChar char="Ø"/>
+              <a:defRPr/>
+            </a:pPr>
+            <a:r>
+              <a:rPr sz="2000"/>
+              <a:t>У каждого лямбда-выражения свой тип, который стоановится известным только на этапе компиляции. Но как хранить/передать в функцию/вернуть из функции такой объект?</a:t>
+            </a:r>
+            <a:endParaRPr sz="2000"/>
+          </a:p>
+          <a:p>
+            <a:pPr>
+              <a:buClr>
+                <a:schemeClr val="accent1"/>
+              </a:buClr>
+              <a:buSzPct val="80000"/>
+              <a:buFont typeface="Wingdings"/>
+              <a:buChar char="Ø"/>
+              <a:defRPr/>
+            </a:pPr>
+            <a:r>
+              <a:rPr sz="2000"/>
+              <a:t>определить тип как auto</a:t>
+            </a:r>
+            <a:endParaRPr sz="2000"/>
+          </a:p>
+          <a:p>
+            <a:pPr>
+              <a:buClr>
+                <a:schemeClr val="accent1"/>
+              </a:buClr>
+              <a:buSzPct val="80000"/>
+              <a:buFont typeface="Wingdings"/>
+              <a:buChar char="Ø"/>
+              <a:defRPr/>
+            </a:pPr>
+            <a:r>
+              <a:rPr sz="2000"/>
+              <a:t>использовать шаблоны</a:t>
+            </a:r>
+            <a:endParaRPr sz="2000"/>
+          </a:p>
+          <a:p>
+            <a:pPr>
+              <a:buClr>
+                <a:schemeClr val="accent1"/>
+              </a:buClr>
+              <a:buSzPct val="80000"/>
+              <a:buFont typeface="Wingdings"/>
+              <a:buChar char="Ø"/>
+              <a:defRPr/>
+            </a:pPr>
+            <a:r>
+              <a:rPr sz="2000"/>
+              <a:t>использовать std::function</a:t>
+            </a:r>
+            <a:endParaRPr sz="2000"/>
+          </a:p>
+        </p:txBody>
+      </p:sp>
+      <p:sp>
+        <p:nvSpPr>
+          <p:cNvPr id="1428104893" name="Title 1" hidden="0"/>
           <p:cNvSpPr txBox="1"/>
           <p:nvPr isPhoto="0" userDrawn="0"/>
         </p:nvSpPr>
         <p:spPr bwMode="auto">
           <a:xfrm>
-            <a:off x="443058" y="128922"/>
-            <a:ext cx="11491275" cy="549808"/>
+            <a:off x="443057" y="128921"/>
+            <a:ext cx="11491274" cy="549807"/>
           </a:xfrm>
           <a:prstGeom prst="rect">
             <a:avLst/>
@@ -12190,381 +13413,23 @@
               <a:defRPr/>
             </a:pPr>
             <a:r>
-              <a:rPr lang="ru-RU" sz="2800"/>
-              <a:t>Способы расширения поведения</a:t>
-            </a:r>
-            <a:r>
-              <a:rPr lang="en-US" sz="2800"/>
-              <a:t> </a:t>
-            </a:r>
-            <a:r>
-              <a:rPr lang="ru-RU" sz="2800"/>
-              <a:t>алгоритмов</a:t>
-            </a:r>
-            <a:endParaRPr lang="en-US" sz="2800"/>
+              <a:rPr lang="ru-RU" sz="2800" b="0" i="0" u="none" strike="noStrike" cap="none" spc="0">
+                <a:solidFill>
+                  <a:schemeClr val="accent1"/>
+                </a:solidFill>
+                <a:latin typeface="Trebuchet MS"/>
+                <a:ea typeface="Arial"/>
+                <a:cs typeface="Arial"/>
+              </a:rPr>
+              <a:t>std::function</a:t>
+            </a:r>
+            <a:endParaRPr/>
           </a:p>
         </p:txBody>
       </p:sp>
-      <p:graphicFrame>
-        <p:nvGraphicFramePr>
-          <p:cNvPr id="5" name="Таблица 4" hidden="0"/>
-          <p:cNvGraphicFramePr>
-            <a:graphicFrameLocks xmlns:a="http://schemas.openxmlformats.org/drawingml/2006/main" noGrp="1"/>
-          </p:cNvGraphicFramePr>
-          <p:nvPr isPhoto="0" userDrawn="0"/>
-        </p:nvGraphicFramePr>
-        <p:xfrm>
-          <a:off x="443060" y="923830"/>
-          <a:ext cx="11491273" cy="3365366"/>
-        </p:xfrm>
-        <a:graphic>
-          <a:graphicData uri="http://schemas.openxmlformats.org/drawingml/2006/table">
-            <a:tbl>
-              <a:tblPr firstRow="1" firstCol="0" lastRow="0" lastCol="0" bandRow="1" bandCol="0">
-                <a:tableStyleId>{6F5E7CF4-4472-D040-DB23-9A9B9FEE242B}</a:tableStyleId>
-              </a:tblPr>
-              <a:tblGrid>
-                <a:gridCol w="2507529"/>
-                <a:gridCol w="2028648"/>
-                <a:gridCol w="2328420"/>
-                <a:gridCol w="2328420"/>
-                <a:gridCol w="2298255"/>
-              </a:tblGrid>
-              <a:tr h="657180">
-                <a:tc>
-                  <a:txBody>
-                    <a:bodyPr/>
-                    <a:p>
-                      <a:pPr algn="ctr">
-                        <a:defRPr/>
-                      </a:pPr>
-                      <a:r>
-                        <a:rPr lang="ru-RU"/>
-                        <a:t>Свойства</a:t>
-                      </a:r>
-                      <a:endParaRPr lang="en-US"/>
-                    </a:p>
-                  </a:txBody>
-                  <a:tcPr anchor="ctr"/>
-                </a:tc>
-                <a:tc>
-                  <a:txBody>
-                    <a:bodyPr/>
-                    <a:p>
-                      <a:pPr algn="ctr">
-                        <a:defRPr/>
-                      </a:pPr>
-                      <a:r>
-                        <a:rPr lang="ru-RU"/>
-                        <a:t>Указатель</a:t>
-                      </a:r>
-                      <a:r>
-                        <a:rPr lang="ru-RU"/>
-                        <a:t> на функцию</a:t>
-                      </a:r>
-                      <a:endParaRPr lang="en-US"/>
-                    </a:p>
-                  </a:txBody>
-                  <a:tcPr anchor="ctr"/>
-                </a:tc>
-                <a:tc>
-                  <a:txBody>
-                    <a:bodyPr/>
-                    <a:p>
-                      <a:pPr algn="ctr">
-                        <a:defRPr/>
-                      </a:pPr>
-                      <a:r>
-                        <a:rPr lang="ru-RU"/>
-                        <a:t>Пользовательские функциональные объекты</a:t>
-                      </a:r>
-                      <a:endParaRPr/>
-                    </a:p>
-                    <a:p>
-                      <a:pPr algn="ctr">
-                        <a:defRPr/>
-                      </a:pPr>
-                      <a:r>
-                        <a:rPr lang="ru-RU"/>
-                        <a:t>(функторы)</a:t>
-                      </a:r>
-                      <a:endParaRPr lang="en-US"/>
-                    </a:p>
-                  </a:txBody>
-                  <a:tcPr anchor="ctr"/>
-                </a:tc>
-                <a:tc>
-                  <a:txBody>
-                    <a:bodyPr/>
-                    <a:p>
-                      <a:pPr algn="ctr">
-                        <a:defRPr/>
-                      </a:pPr>
-                      <a:r>
-                        <a:rPr lang="ru-RU"/>
-                        <a:t>Функциональные объекты</a:t>
-                      </a:r>
-                      <a:endParaRPr/>
-                    </a:p>
-                    <a:p>
-                      <a:pPr algn="ctr">
-                        <a:defRPr/>
-                      </a:pPr>
-                      <a:r>
-                        <a:rPr lang="ru-RU"/>
-                        <a:t>(функторы)</a:t>
-                      </a:r>
-                      <a:endParaRPr lang="en-US"/>
-                    </a:p>
-                    <a:p>
-                      <a:pPr algn="ctr">
-                        <a:defRPr/>
-                      </a:pPr>
-                      <a:r>
-                        <a:rPr lang="en-US"/>
-                        <a:t>STL</a:t>
-                      </a:r>
-                      <a:endParaRPr lang="en-US"/>
-                    </a:p>
-                  </a:txBody>
-                  <a:tcPr anchor="ctr"/>
-                </a:tc>
-                <a:tc>
-                  <a:txBody>
-                    <a:bodyPr/>
-                    <a:p>
-                      <a:pPr algn="ctr">
-                        <a:defRPr/>
-                      </a:pPr>
-                      <a:r>
-                        <a:rPr lang="ru-RU"/>
-                        <a:t>Лямбда-выражение</a:t>
-                      </a:r>
-                      <a:endParaRPr/>
-                    </a:p>
-                    <a:p>
-                      <a:pPr algn="ctr">
-                        <a:defRPr/>
-                      </a:pPr>
-                      <a:r>
-                        <a:rPr lang="ru-RU"/>
-                        <a:t>(анонимный функтор)</a:t>
-                      </a:r>
-                      <a:endParaRPr lang="en-US"/>
-                    </a:p>
-                  </a:txBody>
-                  <a:tcPr anchor="ctr"/>
-                </a:tc>
-              </a:tr>
-              <a:tr h="657180">
-                <a:tc>
-                  <a:txBody>
-                    <a:bodyPr/>
-                    <a:p>
-                      <a:pPr>
-                        <a:defRPr/>
-                      </a:pPr>
-                      <a:r>
-                        <a:rPr lang="ru-RU"/>
-                        <a:t>Состояние</a:t>
-                      </a:r>
-                      <a:endParaRPr lang="en-US"/>
-                    </a:p>
-                  </a:txBody>
-                  <a:tcPr anchor="ctr"/>
-                </a:tc>
-                <a:tc>
-                  <a:txBody>
-                    <a:bodyPr/>
-                    <a:p>
-                      <a:pPr>
-                        <a:defRPr/>
-                      </a:pPr>
-                      <a:endParaRPr lang="en-US"/>
-                    </a:p>
-                  </a:txBody>
-                  <a:tcPr/>
-                </a:tc>
-                <a:tc>
-                  <a:txBody>
-                    <a:bodyPr/>
-                    <a:p>
-                      <a:pPr>
-                        <a:defRPr/>
-                      </a:pPr>
-                      <a:endParaRPr lang="en-US"/>
-                    </a:p>
-                  </a:txBody>
-                  <a:tcPr/>
-                </a:tc>
-                <a:tc>
-                  <a:txBody>
-                    <a:bodyPr/>
-                    <a:p>
-                      <a:pPr>
-                        <a:defRPr/>
-                      </a:pPr>
-                      <a:endParaRPr lang="en-US"/>
-                    </a:p>
-                  </a:txBody>
-                  <a:tcPr/>
-                </a:tc>
-                <a:tc>
-                  <a:txBody>
-                    <a:bodyPr/>
-                    <a:p>
-                      <a:pPr>
-                        <a:defRPr/>
-                      </a:pPr>
-                      <a:endParaRPr lang="en-US"/>
-                    </a:p>
-                  </a:txBody>
-                  <a:tcPr/>
-                </a:tc>
-              </a:tr>
-              <a:tr h="657180">
-                <a:tc>
-                  <a:txBody>
-                    <a:bodyPr/>
-                    <a:p>
-                      <a:pPr>
-                        <a:defRPr/>
-                      </a:pPr>
-                      <a:r>
-                        <a:rPr lang="ru-RU"/>
-                        <a:t>Параметризация времени выполнения</a:t>
-                      </a:r>
-                      <a:endParaRPr lang="en-US"/>
-                    </a:p>
-                  </a:txBody>
-                  <a:tcPr anchor="ctr"/>
-                </a:tc>
-                <a:tc>
-                  <a:txBody>
-                    <a:bodyPr/>
-                    <a:p>
-                      <a:pPr>
-                        <a:defRPr/>
-                      </a:pPr>
-                      <a:endParaRPr lang="en-US"/>
-                    </a:p>
-                  </a:txBody>
-                  <a:tcPr/>
-                </a:tc>
-                <a:tc>
-                  <a:txBody>
-                    <a:bodyPr/>
-                    <a:p>
-                      <a:pPr>
-                        <a:defRPr/>
-                      </a:pPr>
-                      <a:endParaRPr lang="en-US"/>
-                    </a:p>
-                  </a:txBody>
-                  <a:tcPr/>
-                </a:tc>
-                <a:tc>
-                  <a:txBody>
-                    <a:bodyPr/>
-                    <a:p>
-                      <a:pPr>
-                        <a:defRPr/>
-                      </a:pPr>
-                      <a:endParaRPr lang="en-US"/>
-                    </a:p>
-                  </a:txBody>
-                  <a:tcPr/>
-                </a:tc>
-                <a:tc>
-                  <a:txBody>
-                    <a:bodyPr/>
-                    <a:p>
-                      <a:pPr>
-                        <a:defRPr/>
-                      </a:pPr>
-                      <a:endParaRPr lang="en-US"/>
-                    </a:p>
-                  </a:txBody>
-                  <a:tcPr/>
-                </a:tc>
-              </a:tr>
-              <a:tr h="862282">
-                <a:tc>
-                  <a:txBody>
-                    <a:bodyPr/>
-                    <a:p>
-                      <a:pPr>
-                        <a:defRPr/>
-                      </a:pPr>
-                      <a:r>
-                        <a:rPr lang="ru-RU"/>
-                        <a:t>Читаемость </a:t>
-                      </a:r>
-                      <a:r>
-                        <a:rPr lang="ru-RU"/>
-                        <a:t>кода</a:t>
-                      </a:r>
-                      <a:endParaRPr lang="ru-RU"/>
-                    </a:p>
-                  </a:txBody>
-                  <a:tcPr anchor="ctr"/>
-                </a:tc>
-                <a:tc>
-                  <a:txBody>
-                    <a:bodyPr/>
-                    <a:p>
-                      <a:pPr>
-                        <a:defRPr/>
-                      </a:pPr>
-                      <a:endParaRPr lang="en-US"/>
-                    </a:p>
-                  </a:txBody>
-                  <a:tcPr/>
-                </a:tc>
-                <a:tc>
-                  <a:txBody>
-                    <a:bodyPr/>
-                    <a:p>
-                      <a:pPr>
-                        <a:defRPr/>
-                      </a:pPr>
-                      <a:endParaRPr lang="en-US"/>
-                    </a:p>
-                  </a:txBody>
-                  <a:tcPr/>
-                </a:tc>
-                <a:tc>
-                  <a:txBody>
-                    <a:bodyPr/>
-                    <a:p>
-                      <a:pPr>
-                        <a:defRPr/>
-                      </a:pPr>
-                      <a:endParaRPr lang="en-US"/>
-                    </a:p>
-                  </a:txBody>
-                  <a:tcPr/>
-                </a:tc>
-                <a:tc>
-                  <a:txBody>
-                    <a:bodyPr/>
-                    <a:p>
-                      <a:pPr>
-                        <a:defRPr/>
-                      </a:pPr>
-                      <a:endParaRPr lang="en-US"/>
-                    </a:p>
-                  </a:txBody>
-                  <a:tcPr/>
-                </a:tc>
-              </a:tr>
-            </a:tbl>
-          </a:graphicData>
-        </a:graphic>
-      </p:graphicFrame>
       <p:pic>
         <p:nvPicPr>
-          <p:cNvPr id="6" name="Рисунок 5" hidden="0"/>
+          <p:cNvPr id="1538016761" name="" hidden="0"/>
           <p:cNvPicPr>
             <a:picLocks noChangeAspect="1"/>
           </p:cNvPicPr>
@@ -12575,229 +13440,9 @@
           <a:stretch/>
         </p:blipFill>
         <p:spPr bwMode="auto">
-          <a:xfrm>
-            <a:off x="5983906" y="2452367"/>
-            <a:ext cx="409575" cy="468086"/>
-          </a:xfrm>
-          <a:prstGeom prst="rect">
-            <a:avLst/>
-          </a:prstGeom>
-        </p:spPr>
-      </p:pic>
-      <p:pic>
-        <p:nvPicPr>
-          <p:cNvPr id="7" name="Рисунок 6" hidden="0"/>
-          <p:cNvPicPr>
-            <a:picLocks noChangeAspect="1"/>
-          </p:cNvPicPr>
-          <p:nvPr isPhoto="0" userDrawn="0"/>
-        </p:nvPicPr>
-        <p:blipFill>
-          <a:blip r:embed="rId3"/>
-          <a:stretch/>
-        </p:blipFill>
-        <p:spPr bwMode="auto">
-          <a:xfrm>
-            <a:off x="3648459" y="2452367"/>
-            <a:ext cx="519113" cy="519113"/>
-          </a:xfrm>
-          <a:prstGeom prst="rect">
-            <a:avLst/>
-          </a:prstGeom>
-        </p:spPr>
-      </p:pic>
-      <p:pic>
-        <p:nvPicPr>
-          <p:cNvPr id="8" name="Рисунок 7" hidden="0"/>
-          <p:cNvPicPr>
-            <a:picLocks noChangeAspect="1"/>
-          </p:cNvPicPr>
-          <p:nvPr isPhoto="0" userDrawn="0"/>
-        </p:nvPicPr>
-        <p:blipFill>
-          <a:blip r:embed="rId3"/>
-          <a:stretch/>
-        </p:blipFill>
-        <p:spPr bwMode="auto">
-          <a:xfrm>
-            <a:off x="8224492" y="2426853"/>
-            <a:ext cx="519113" cy="519113"/>
-          </a:xfrm>
-          <a:prstGeom prst="rect">
-            <a:avLst/>
-          </a:prstGeom>
-        </p:spPr>
-      </p:pic>
-      <p:pic>
-        <p:nvPicPr>
-          <p:cNvPr id="9" name="Рисунок 8" hidden="0"/>
-          <p:cNvPicPr>
-            <a:picLocks noChangeAspect="1"/>
-          </p:cNvPicPr>
-          <p:nvPr isPhoto="0" userDrawn="0"/>
-        </p:nvPicPr>
-        <p:blipFill>
-          <a:blip r:embed="rId3"/>
-          <a:stretch/>
-        </p:blipFill>
-        <p:spPr bwMode="auto">
-          <a:xfrm>
-            <a:off x="10623684" y="2452367"/>
-            <a:ext cx="519113" cy="519113"/>
-          </a:xfrm>
-          <a:prstGeom prst="rect">
-            <a:avLst/>
-          </a:prstGeom>
-        </p:spPr>
-      </p:pic>
-      <p:pic>
-        <p:nvPicPr>
-          <p:cNvPr id="10" name="Рисунок 9" hidden="0"/>
-          <p:cNvPicPr>
-            <a:picLocks noChangeAspect="1"/>
-          </p:cNvPicPr>
-          <p:nvPr isPhoto="0" userDrawn="0"/>
-        </p:nvPicPr>
-        <p:blipFill>
-          <a:blip r:embed="rId2"/>
-          <a:stretch/>
-        </p:blipFill>
-        <p:spPr bwMode="auto">
-          <a:xfrm>
-            <a:off x="5938043" y="3338431"/>
-            <a:ext cx="409575" cy="468086"/>
-          </a:xfrm>
-          <a:prstGeom prst="rect">
-            <a:avLst/>
-          </a:prstGeom>
-        </p:spPr>
-      </p:pic>
-      <p:pic>
-        <p:nvPicPr>
-          <p:cNvPr id="11" name="Рисунок 10" hidden="0"/>
-          <p:cNvPicPr>
-            <a:picLocks noChangeAspect="1"/>
-          </p:cNvPicPr>
-          <p:nvPr isPhoto="0" userDrawn="0"/>
-        </p:nvPicPr>
-        <p:blipFill>
-          <a:blip r:embed="rId2"/>
-          <a:stretch/>
-        </p:blipFill>
-        <p:spPr bwMode="auto">
-          <a:xfrm>
-            <a:off x="10678453" y="3129902"/>
-            <a:ext cx="409575" cy="468086"/>
-          </a:xfrm>
-          <a:prstGeom prst="rect">
-            <a:avLst/>
-          </a:prstGeom>
-        </p:spPr>
-      </p:pic>
-      <p:pic>
-        <p:nvPicPr>
-          <p:cNvPr id="12" name="Рисунок 11" hidden="0"/>
-          <p:cNvPicPr>
-            <a:picLocks noChangeAspect="1"/>
-          </p:cNvPicPr>
-          <p:nvPr isPhoto="0" userDrawn="0"/>
-        </p:nvPicPr>
-        <p:blipFill>
-          <a:blip r:embed="rId2"/>
-          <a:stretch/>
-        </p:blipFill>
-        <p:spPr bwMode="auto">
-          <a:xfrm>
-            <a:off x="8279262" y="3246535"/>
-            <a:ext cx="409575" cy="468086"/>
-          </a:xfrm>
-          <a:prstGeom prst="rect">
-            <a:avLst/>
-          </a:prstGeom>
-        </p:spPr>
-      </p:pic>
-      <p:pic>
-        <p:nvPicPr>
-          <p:cNvPr id="13" name="Рисунок 12" hidden="0"/>
-          <p:cNvPicPr>
-            <a:picLocks noChangeAspect="1"/>
-          </p:cNvPicPr>
-          <p:nvPr isPhoto="0" userDrawn="0"/>
-        </p:nvPicPr>
-        <p:blipFill>
-          <a:blip r:embed="rId3"/>
-          <a:stretch/>
-        </p:blipFill>
-        <p:spPr bwMode="auto">
-          <a:xfrm>
-            <a:off x="3648459" y="3338431"/>
-            <a:ext cx="519113" cy="519113"/>
-          </a:xfrm>
-          <a:prstGeom prst="rect">
-            <a:avLst/>
-          </a:prstGeom>
-        </p:spPr>
-      </p:pic>
-      <p:pic>
-        <p:nvPicPr>
-          <p:cNvPr id="14" name="Рисунок 13" hidden="0"/>
-          <p:cNvPicPr>
-            <a:picLocks noChangeAspect="1"/>
-          </p:cNvPicPr>
-          <p:nvPr isPhoto="0" userDrawn="0"/>
-        </p:nvPicPr>
-        <p:blipFill>
-          <a:blip r:embed="rId4"/>
-          <a:stretch/>
-        </p:blipFill>
-        <p:spPr bwMode="auto">
-          <a:xfrm>
-            <a:off x="5769203" y="4024091"/>
-            <a:ext cx="747257" cy="808887"/>
-          </a:xfrm>
-          <a:prstGeom prst="rect">
-            <a:avLst/>
-          </a:prstGeom>
-        </p:spPr>
-      </p:pic>
-      <p:pic>
-        <p:nvPicPr>
-          <p:cNvPr id="15" name="Рисунок 14" hidden="0"/>
-          <p:cNvPicPr>
-            <a:picLocks noChangeAspect="1"/>
-          </p:cNvPicPr>
-          <p:nvPr isPhoto="0" userDrawn="0"/>
-        </p:nvPicPr>
-        <p:blipFill>
-          <a:blip r:embed="rId5"/>
-          <a:stretch/>
-        </p:blipFill>
-        <p:spPr bwMode="auto">
-          <a:xfrm>
-            <a:off x="3524620" y="4024091"/>
-            <a:ext cx="737436" cy="729549"/>
-          </a:xfrm>
-          <a:prstGeom prst="rect">
-            <a:avLst/>
-          </a:prstGeom>
-        </p:spPr>
-      </p:pic>
-      <p:pic>
-        <p:nvPicPr>
-          <p:cNvPr id="16" name="Рисунок 15" hidden="0"/>
-          <p:cNvPicPr>
-            <a:picLocks noChangeAspect="1"/>
-          </p:cNvPicPr>
-          <p:nvPr isPhoto="0" userDrawn="0"/>
-        </p:nvPicPr>
-        <p:blipFill>
-          <a:blip r:embed="rId6"/>
-          <a:stretch/>
-        </p:blipFill>
-        <p:spPr bwMode="auto">
-          <a:xfrm>
-            <a:off x="8224492" y="4024091"/>
-            <a:ext cx="824600" cy="849462"/>
+          <a:xfrm flipH="0" flipV="0">
+            <a:off x="401999" y="1859221"/>
+            <a:ext cx="5551411" cy="1836478"/>
           </a:xfrm>
           <a:prstGeom prst="rect">
             <a:avLst/>
@@ -12806,14 +13451,16 @@
       </p:pic>
       <p:sp>
         <p:nvSpPr>
-          <p:cNvPr id="18" name="Объект 2" hidden="0"/>
-          <p:cNvSpPr txBox="1"/>
+          <p:cNvPr id="1031273003" name="Content Placeholder 2" hidden="0"/>
+          <p:cNvSpPr>
+            <a:spLocks noGrp="1"/>
+          </p:cNvSpPr>
           <p:nvPr isPhoto="0" userDrawn="0"/>
         </p:nvSpPr>
         <p:spPr bwMode="auto">
-          <a:xfrm>
-            <a:off x="443057" y="4908476"/>
-            <a:ext cx="11491275" cy="2136791"/>
+          <a:xfrm flipH="0" flipV="0">
+            <a:off x="369816" y="4095749"/>
+            <a:ext cx="11506199" cy="2416635"/>
           </a:xfrm>
           <a:prstGeom prst="rect">
             <a:avLst/>
@@ -12824,12 +13471,12 @@
         </p:spPr>
         <p:txBody>
           <a:bodyPr vertOverflow="overflow" horzOverflow="clip" vert="horz" wrap="square" lIns="91440" tIns="45720" rIns="91440" bIns="45720" numCol="1" spcCol="0" rtlCol="0" fromWordArt="0" anchor="t" anchorCtr="0" forceAA="0" upright="0" compatLnSpc="0">
-            <a:normAutofit fontScale="80000" lnSpcReduction="4000"/>
+            <a:normAutofit/>
           </a:bodyPr>
           <a:lstStyle>
             <a:lvl1pPr marL="342900" indent="-342900" algn="l" defTabSz="457200">
               <a:spcBef>
-                <a:spcPts val="1000"/>
+                <a:spcPts val="999"/>
               </a:spcBef>
               <a:spcAft>
                 <a:spcPts val="0"/>
@@ -12854,7 +13501,7 @@
             </a:lvl1pPr>
             <a:lvl2pPr marL="742950" indent="-285750" algn="l" defTabSz="457200">
               <a:spcBef>
-                <a:spcPts val="1000"/>
+                <a:spcPts val="999"/>
               </a:spcBef>
               <a:spcAft>
                 <a:spcPts val="0"/>
@@ -12879,7 +13526,7 @@
             </a:lvl2pPr>
             <a:lvl3pPr marL="1143000" indent="-228600" algn="l" defTabSz="457200">
               <a:spcBef>
-                <a:spcPts val="1000"/>
+                <a:spcPts val="999"/>
               </a:spcBef>
               <a:spcAft>
                 <a:spcPts val="0"/>
@@ -12904,7 +13551,7 @@
             </a:lvl3pPr>
             <a:lvl4pPr marL="1600200" indent="-228600" algn="l" defTabSz="457200">
               <a:spcBef>
-                <a:spcPts val="1000"/>
+                <a:spcPts val="999"/>
               </a:spcBef>
               <a:spcAft>
                 <a:spcPts val="0"/>
@@ -12929,7 +13576,7 @@
             </a:lvl4pPr>
             <a:lvl5pPr marL="2057400" indent="-228600" algn="l" defTabSz="457200">
               <a:spcBef>
-                <a:spcPts val="1000"/>
+                <a:spcPts val="999"/>
               </a:spcBef>
               <a:spcAft>
                 <a:spcPts val="0"/>
@@ -12952,9 +13599,9 @@
                 <a:cs typeface="+mn-cs"/>
               </a:defRPr>
             </a:lvl5pPr>
-            <a:lvl6pPr marL="2514600" indent="-228600" algn="l" defTabSz="457200">
+            <a:lvl6pPr marL="2514599" indent="-228600" algn="l" defTabSz="457200">
               <a:spcBef>
-                <a:spcPts val="1000"/>
+                <a:spcPts val="999"/>
               </a:spcBef>
               <a:spcAft>
                 <a:spcPts val="0"/>
@@ -12979,7 +13626,7 @@
             </a:lvl6pPr>
             <a:lvl7pPr marL="2971800" indent="-228600" algn="l" defTabSz="457200">
               <a:spcBef>
-                <a:spcPts val="1000"/>
+                <a:spcPts val="999"/>
               </a:spcBef>
               <a:spcAft>
                 <a:spcPts val="0"/>
@@ -13004,7 +13651,7 @@
             </a:lvl7pPr>
             <a:lvl8pPr marL="3429000" indent="-228600" algn="l" defTabSz="457200">
               <a:spcBef>
-                <a:spcPts val="1000"/>
+                <a:spcPts val="999"/>
               </a:spcBef>
               <a:spcAft>
                 <a:spcPts val="0"/>
@@ -13029,7 +13676,7 @@
             </a:lvl8pPr>
             <a:lvl9pPr marL="3886200" indent="-228600" algn="l" defTabSz="457200">
               <a:spcBef>
-                <a:spcPts val="1000"/>
+                <a:spcPts val="999"/>
               </a:spcBef>
               <a:spcAft>
                 <a:spcPts val="0"/>
@@ -13064,26 +13711,14 @@
               <a:defRPr/>
             </a:pPr>
             <a:r>
-              <a:rPr lang="ru-RU" sz="1600"/>
-              <a:t>У лямбда-выражения нет заведомо определённого типа – он выводится при компиляции. Если нужно передать лямбду как формальный («</a:t>
-            </a:r>
-            <a:r>
-              <a:rPr lang="ru-RU" sz="1600"/>
-              <a:t>типовый</a:t>
-            </a:r>
-            <a:r>
-              <a:rPr lang="ru-RU" sz="1600"/>
-              <a:t>») параметр шаблона, нужно использовать </a:t>
-            </a:r>
-            <a:r>
-              <a:rPr lang="en-US" sz="1600"/>
-              <a:t>decltype</a:t>
-            </a:r>
-            <a:r>
-              <a:rPr lang="ru-RU" sz="1600"/>
-              <a:t>. Если нужно передать лямбду как обычный параметр функции – это должна быть шаблонная функция</a:t>
-            </a:r>
-            <a:endParaRPr lang="en-US" sz="1600"/>
+              <a:rPr sz="2000"/>
+              <a:t>Однако, std::function - это не базовый </a:t>
+            </a:r>
+            <a:r>
+              <a:rPr sz="2000"/>
+              <a:t>тип для всех лямбда-выражений. Преобразования типа лямбда-выражения в std::function не происходит</a:t>
+            </a:r>
+            <a:endParaRPr sz="2000"/>
           </a:p>
           <a:p>
             <a:pPr>
@@ -13096,85 +13731,55 @@
               <a:defRPr/>
             </a:pPr>
             <a:r>
-              <a:rPr lang="ru-RU" sz="1600"/>
-              <a:t>Каждый </a:t>
-            </a:r>
-            <a:r>
-              <a:rPr lang="ru-RU" sz="1600"/>
-              <a:t>функциональный объект имеет свой собственный тип, даже если их операторы </a:t>
-            </a:r>
-            <a:r>
-              <a:rPr lang="en-US" sz="1600"/>
-              <a:t>operator()</a:t>
-            </a:r>
-            <a:r>
-              <a:rPr lang="ru-RU" sz="1600"/>
-              <a:t> делают одно и то же. Тип указателя на функцию определяется сигнатурой функции</a:t>
-            </a:r>
-            <a:endParaRPr sz="1600"/>
-          </a:p>
-          <a:p>
-            <a:pPr>
-              <a:buClr>
-                <a:schemeClr val="accent1"/>
-              </a:buClr>
-              <a:buSzPct val="80000"/>
-              <a:buFont typeface="Wingdings"/>
-              <a:buChar char="Ø"/>
-              <a:defRPr/>
-            </a:pPr>
-            <a:r>
-              <a:rPr lang="ru-RU" sz="1600"/>
-              <a:t>Функциональные объекты могут быть быстрее указателей на функцию в силу реализации компилятора</a:t>
-            </a:r>
-            <a:endParaRPr sz="1600"/>
-          </a:p>
-          <a:p>
-            <a:pPr>
-              <a:buClr>
-                <a:schemeClr val="accent1"/>
-              </a:buClr>
-              <a:buSzPct val="80000"/>
-              <a:buFont typeface="Wingdings"/>
-              <a:buChar char="Ø"/>
-              <a:defRPr/>
-            </a:pPr>
-            <a:r>
-              <a:rPr lang="ru-RU" sz="1600"/>
-              <a:t>Функциональные объекты удобно передавать в функции и возвращать из функций</a:t>
-            </a:r>
-            <a:endParaRPr lang="en-US" sz="1600"/>
-          </a:p>
-          <a:p>
-            <a:pPr>
-              <a:defRPr/>
-            </a:pPr>
-            <a:endParaRPr lang="en-US" sz="1600"/>
+              <a:rPr lang="en-US" sz="2000" b="0" i="0" u="none" strike="noStrike" cap="none" spc="0">
+                <a:solidFill>
+                  <a:schemeClr val="tx1">
+                    <a:lumMod val="75000"/>
+                    <a:lumOff val="25000"/>
+                  </a:schemeClr>
+                </a:solidFill>
+                <a:latin typeface="+mn-lt"/>
+                <a:ea typeface="+mn-ea"/>
+                <a:cs typeface="+mn-cs"/>
+              </a:rPr>
+              <a:t>std::function - это реализация патерна Стирание типа (Type Erasure), который позволяет хранить объекты вне зависимости от их типа, предназначенная, в первую очередь, для работы с функциональными объектами</a:t>
+            </a:r>
+            <a:endParaRPr sz="2000"/>
           </a:p>
         </p:txBody>
       </p:sp>
-      <p:pic>
-        <p:nvPicPr>
-          <p:cNvPr id="19" name="Рисунок 18" hidden="0"/>
-          <p:cNvPicPr>
-            <a:picLocks noChangeAspect="1"/>
-          </p:cNvPicPr>
+      <p:sp>
+        <p:nvSpPr>
+          <p:cNvPr id="1951776792" name="" hidden="0"/>
+          <p:cNvSpPr txBox="1"/>
           <p:nvPr isPhoto="0" userDrawn="0"/>
-        </p:nvPicPr>
-        <p:blipFill>
-          <a:blip r:embed="rId7"/>
-          <a:stretch/>
-        </p:blipFill>
+        </p:nvSpPr>
         <p:spPr bwMode="auto">
-          <a:xfrm>
-            <a:off x="10368351" y="4060237"/>
-            <a:ext cx="729989" cy="736595"/>
+          <a:xfrm flipH="0" flipV="0">
+            <a:off x="211499" y="1032509"/>
+            <a:ext cx="6244922" cy="335315"/>
           </a:xfrm>
           <a:prstGeom prst="rect">
             <a:avLst/>
           </a:prstGeom>
+          <a:noFill/>
         </p:spPr>
-      </p:pic>
+        <p:txBody>
+          <a:bodyPr vertOverflow="overflow" horzOverflow="clip" vert="horz" wrap="square" lIns="91440" tIns="45720" rIns="91440" bIns="45720" numCol="1" spcCol="0" rtlCol="0" fromWordArt="0" anchor="t" anchorCtr="0" forceAA="0" upright="0" compatLnSpc="0">
+            <a:spAutoFit/>
+          </a:bodyPr>
+          <a:p>
+            <a:pPr algn="l">
+              <a:defRPr/>
+            </a:pPr>
+            <a:r>
+              <a:rPr sz="1600"/>
+              <a:t>https://en.cppreference.com/w/cpp/utility/functional/function</a:t>
+            </a:r>
+            <a:endParaRPr sz="1600"/>
+          </a:p>
+        </p:txBody>
+      </p:sp>
     </p:spTree>
   </p:cSld>
   <p:clrMapOvr>
